--- a/ppt/day6.pptx
+++ b/ppt/day6.pptx
@@ -204,7 +204,7 @@
           <a:p>
             <a:fld id="{1C61B3B7-4758-4CC2-8832-376ABC23F201}" type="datetimeFigureOut">
               <a:rPr lang="ko-KR" altLang="en-US" smtClean="0"/>
-              <a:t>2018-02-04</a:t>
+              <a:t>2018-02-10</a:t>
             </a:fld>
             <a:endParaRPr lang="ko-KR" altLang="en-US"/>
           </a:p>
@@ -1157,7 +1157,7 @@
           <a:p>
             <a:fld id="{FB30EDBD-1C2D-4C1E-B459-B60219FAB484}" type="datetimeFigureOut">
               <a:rPr lang="ko-KR" altLang="en-US" smtClean="0"/>
-              <a:t>2018-02-04</a:t>
+              <a:t>2018-02-10</a:t>
             </a:fld>
             <a:endParaRPr lang="ko-KR" altLang="en-US"/>
           </a:p>
@@ -1322,7 +1322,7 @@
           <a:p>
             <a:fld id="{FB30EDBD-1C2D-4C1E-B459-B60219FAB484}" type="datetimeFigureOut">
               <a:rPr lang="ko-KR" altLang="en-US" smtClean="0"/>
-              <a:t>2018-02-04</a:t>
+              <a:t>2018-02-10</a:t>
             </a:fld>
             <a:endParaRPr lang="ko-KR" altLang="en-US"/>
           </a:p>
@@ -1497,7 +1497,7 @@
           <a:p>
             <a:fld id="{FB30EDBD-1C2D-4C1E-B459-B60219FAB484}" type="datetimeFigureOut">
               <a:rPr lang="ko-KR" altLang="en-US" smtClean="0"/>
-              <a:t>2018-02-04</a:t>
+              <a:t>2018-02-10</a:t>
             </a:fld>
             <a:endParaRPr lang="ko-KR" altLang="en-US"/>
           </a:p>
@@ -1662,7 +1662,7 @@
           <a:p>
             <a:fld id="{FB30EDBD-1C2D-4C1E-B459-B60219FAB484}" type="datetimeFigureOut">
               <a:rPr lang="ko-KR" altLang="en-US" smtClean="0"/>
-              <a:t>2018-02-04</a:t>
+              <a:t>2018-02-10</a:t>
             </a:fld>
             <a:endParaRPr lang="ko-KR" altLang="en-US"/>
           </a:p>
@@ -1903,7 +1903,7 @@
           <a:p>
             <a:fld id="{FB30EDBD-1C2D-4C1E-B459-B60219FAB484}" type="datetimeFigureOut">
               <a:rPr lang="ko-KR" altLang="en-US" smtClean="0"/>
-              <a:t>2018-02-04</a:t>
+              <a:t>2018-02-10</a:t>
             </a:fld>
             <a:endParaRPr lang="ko-KR" altLang="en-US"/>
           </a:p>
@@ -2186,7 +2186,7 @@
           <a:p>
             <a:fld id="{FB30EDBD-1C2D-4C1E-B459-B60219FAB484}" type="datetimeFigureOut">
               <a:rPr lang="ko-KR" altLang="en-US" smtClean="0"/>
-              <a:t>2018-02-04</a:t>
+              <a:t>2018-02-10</a:t>
             </a:fld>
             <a:endParaRPr lang="ko-KR" altLang="en-US"/>
           </a:p>
@@ -2603,7 +2603,7 @@
           <a:p>
             <a:fld id="{FB30EDBD-1C2D-4C1E-B459-B60219FAB484}" type="datetimeFigureOut">
               <a:rPr lang="ko-KR" altLang="en-US" smtClean="0"/>
-              <a:t>2018-02-04</a:t>
+              <a:t>2018-02-10</a:t>
             </a:fld>
             <a:endParaRPr lang="ko-KR" altLang="en-US"/>
           </a:p>
@@ -2716,7 +2716,7 @@
           <a:p>
             <a:fld id="{FB30EDBD-1C2D-4C1E-B459-B60219FAB484}" type="datetimeFigureOut">
               <a:rPr lang="ko-KR" altLang="en-US" smtClean="0"/>
-              <a:t>2018-02-04</a:t>
+              <a:t>2018-02-10</a:t>
             </a:fld>
             <a:endParaRPr lang="ko-KR" altLang="en-US"/>
           </a:p>
@@ -2806,7 +2806,7 @@
           <a:p>
             <a:fld id="{FB30EDBD-1C2D-4C1E-B459-B60219FAB484}" type="datetimeFigureOut">
               <a:rPr lang="ko-KR" altLang="en-US" smtClean="0"/>
-              <a:t>2018-02-04</a:t>
+              <a:t>2018-02-10</a:t>
             </a:fld>
             <a:endParaRPr lang="ko-KR" altLang="en-US"/>
           </a:p>
@@ -3078,7 +3078,7 @@
           <a:p>
             <a:fld id="{FB30EDBD-1C2D-4C1E-B459-B60219FAB484}" type="datetimeFigureOut">
               <a:rPr lang="ko-KR" altLang="en-US" smtClean="0"/>
-              <a:t>2018-02-04</a:t>
+              <a:t>2018-02-10</a:t>
             </a:fld>
             <a:endParaRPr lang="ko-KR" altLang="en-US"/>
           </a:p>
@@ -3326,7 +3326,7 @@
           <a:p>
             <a:fld id="{FB30EDBD-1C2D-4C1E-B459-B60219FAB484}" type="datetimeFigureOut">
               <a:rPr lang="ko-KR" altLang="en-US" smtClean="0"/>
-              <a:t>2018-02-04</a:t>
+              <a:t>2018-02-10</a:t>
             </a:fld>
             <a:endParaRPr lang="ko-KR" altLang="en-US"/>
           </a:p>
@@ -3534,7 +3534,7 @@
           <a:p>
             <a:fld id="{FB30EDBD-1C2D-4C1E-B459-B60219FAB484}" type="datetimeFigureOut">
               <a:rPr lang="ko-KR" altLang="en-US" smtClean="0"/>
-              <a:t>2018-02-04</a:t>
+              <a:t>2018-02-10</a:t>
             </a:fld>
             <a:endParaRPr lang="ko-KR" altLang="en-US"/>
           </a:p>
@@ -10073,7 +10073,7 @@
         <p:spPr>
           <a:xfrm>
             <a:off x="539552" y="3573016"/>
-            <a:ext cx="2084225" cy="369332"/>
+            <a:ext cx="3097323" cy="646331"/>
           </a:xfrm>
           <a:prstGeom prst="rect">
             <a:avLst/>
@@ -10091,7 +10091,37 @@
                 <a:latin typeface="Consolas" panose="020B0609020204030204" pitchFamily="49" charset="0"/>
                 <a:cs typeface="Consolas" panose="020B0609020204030204" pitchFamily="49" charset="0"/>
               </a:rPr>
-              <a:t>array[3] = 99; </a:t>
+              <a:t>array[3] = 99</a:t>
+            </a:r>
+            <a:r>
+              <a:rPr lang="en-US" altLang="ko-KR" dirty="0" smtClean="0">
+                <a:latin typeface="Consolas" panose="020B0609020204030204" pitchFamily="49" charset="0"/>
+                <a:cs typeface="Consolas" panose="020B0609020204030204" pitchFamily="49" charset="0"/>
+              </a:rPr>
+              <a:t>;</a:t>
+            </a:r>
+          </a:p>
+          <a:p>
+            <a:r>
+              <a:rPr lang="en-US" altLang="ko-KR" dirty="0" err="1" smtClean="0">
+                <a:latin typeface="Consolas" panose="020B0609020204030204" pitchFamily="49" charset="0"/>
+                <a:cs typeface="Consolas" panose="020B0609020204030204" pitchFamily="49" charset="0"/>
+              </a:rPr>
+              <a:t>int</a:t>
+            </a:r>
+            <a:r>
+              <a:rPr lang="en-US" altLang="ko-KR" dirty="0" smtClean="0">
+                <a:latin typeface="Consolas" panose="020B0609020204030204" pitchFamily="49" charset="0"/>
+                <a:cs typeface="Consolas" panose="020B0609020204030204" pitchFamily="49" charset="0"/>
+              </a:rPr>
+              <a:t> number = array[3];</a:t>
+            </a:r>
+            <a:r>
+              <a:rPr lang="en-US" altLang="ko-KR" dirty="0" smtClean="0">
+                <a:latin typeface="Consolas" panose="020B0609020204030204" pitchFamily="49" charset="0"/>
+                <a:cs typeface="Consolas" panose="020B0609020204030204" pitchFamily="49" charset="0"/>
+              </a:rPr>
+              <a:t> </a:t>
             </a:r>
             <a:endParaRPr lang="ko-KR" altLang="en-US" dirty="0">
               <a:latin typeface="Consolas" panose="020B0609020204030204" pitchFamily="49" charset="0"/>
